--- a/Présentation Java multithread.pptx
+++ b/Présentation Java multithread.pptx
@@ -1,9 +1,12 @@
 
 <file path=ppt/presentation.xml><?xml version="1.0" encoding="utf-8"?>
-<p:presentation xmlns:a="http://schemas.openxmlformats.org/drawingml/2006/main" xmlns:r="http://schemas.openxmlformats.org/officeDocument/2006/relationships" xmlns:p="http://schemas.openxmlformats.org/presentationml/2006/main" autoCompressPictures="0">
+<p:presentation xmlns:a="http://schemas.openxmlformats.org/drawingml/2006/main" xmlns:r="http://schemas.openxmlformats.org/officeDocument/2006/relationships" xmlns:p="http://schemas.openxmlformats.org/presentationml/2006/main" showSpecialPlsOnTitleSld="0" autoCompressPictures="0">
   <p:sldMasterIdLst>
     <p:sldMasterId id="2147483648" r:id="rId1"/>
   </p:sldMasterIdLst>
+  <p:notesMasterIdLst>
+    <p:notesMasterId r:id="rId14"/>
+  </p:notesMasterIdLst>
   <p:sldIdLst>
     <p:sldId id="256" r:id="rId2"/>
     <p:sldId id="257" r:id="rId3"/>
@@ -121,6 +124,524 @@
     </p:ext>
   </p:extLst>
 </p:presentation>
+</file>
+
+<file path=ppt/notesMasters/notesMaster1.xml><?xml version="1.0" encoding="utf-8"?>
+<p:notesMaster xmlns:a="http://schemas.openxmlformats.org/drawingml/2006/main" xmlns:r="http://schemas.openxmlformats.org/officeDocument/2006/relationships" xmlns:p="http://schemas.openxmlformats.org/presentationml/2006/main">
+  <p:cSld>
+    <p:bg>
+      <p:bgRef idx="1001">
+        <a:schemeClr val="bg1"/>
+      </p:bgRef>
+    </p:bg>
+    <p:spTree>
+      <p:nvGrpSpPr>
+        <p:cNvPr id="1" name=""/>
+        <p:cNvGrpSpPr/>
+        <p:nvPr/>
+      </p:nvGrpSpPr>
+      <p:grpSpPr>
+        <a:xfrm>
+          <a:off x="0" y="0"/>
+          <a:ext cx="0" cy="0"/>
+          <a:chOff x="0" y="0"/>
+          <a:chExt cx="0" cy="0"/>
+        </a:xfrm>
+      </p:grpSpPr>
+      <p:sp>
+        <p:nvSpPr>
+          <p:cNvPr id="2" name="Espace réservé de l'en-tête 1"/>
+          <p:cNvSpPr>
+            <a:spLocks noGrp="1"/>
+          </p:cNvSpPr>
+          <p:nvPr>
+            <p:ph type="hdr" sz="quarter"/>
+          </p:nvPr>
+        </p:nvSpPr>
+        <p:spPr>
+          <a:xfrm>
+            <a:off x="0" y="0"/>
+            <a:ext cx="2971800" cy="458788"/>
+          </a:xfrm>
+          <a:prstGeom prst="rect">
+            <a:avLst/>
+          </a:prstGeom>
+        </p:spPr>
+        <p:txBody>
+          <a:bodyPr vert="horz" lIns="91440" tIns="45720" rIns="91440" bIns="45720" rtlCol="0"/>
+          <a:lstStyle>
+            <a:lvl1pPr algn="l">
+              <a:defRPr sz="1200"/>
+            </a:lvl1pPr>
+          </a:lstStyle>
+          <a:p>
+            <a:endParaRPr lang="fr-FR"/>
+          </a:p>
+        </p:txBody>
+      </p:sp>
+      <p:sp>
+        <p:nvSpPr>
+          <p:cNvPr id="3" name="Espace réservé de la date 2"/>
+          <p:cNvSpPr>
+            <a:spLocks noGrp="1"/>
+          </p:cNvSpPr>
+          <p:nvPr>
+            <p:ph type="dt" idx="1"/>
+          </p:nvPr>
+        </p:nvSpPr>
+        <p:spPr>
+          <a:xfrm>
+            <a:off x="3884613" y="0"/>
+            <a:ext cx="2971800" cy="458788"/>
+          </a:xfrm>
+          <a:prstGeom prst="rect">
+            <a:avLst/>
+          </a:prstGeom>
+        </p:spPr>
+        <p:txBody>
+          <a:bodyPr vert="horz" lIns="91440" tIns="45720" rIns="91440" bIns="45720" rtlCol="0"/>
+          <a:lstStyle>
+            <a:lvl1pPr algn="r">
+              <a:defRPr sz="1200"/>
+            </a:lvl1pPr>
+          </a:lstStyle>
+          <a:p>
+            <a:fld id="{FCBD6D4C-E401-4231-A23A-5428D24E5F82}" type="datetimeFigureOut">
+              <a:rPr lang="fr-FR" smtClean="0"/>
+              <a:t>21/05/2015</a:t>
+            </a:fld>
+            <a:endParaRPr lang="fr-FR"/>
+          </a:p>
+        </p:txBody>
+      </p:sp>
+      <p:sp>
+        <p:nvSpPr>
+          <p:cNvPr id="4" name="Espace réservé de l'image des diapositives 3"/>
+          <p:cNvSpPr>
+            <a:spLocks noGrp="1" noRot="1" noChangeAspect="1"/>
+          </p:cNvSpPr>
+          <p:nvPr>
+            <p:ph type="sldImg" idx="2"/>
+          </p:nvPr>
+        </p:nvSpPr>
+        <p:spPr>
+          <a:xfrm>
+            <a:off x="685800" y="1143000"/>
+            <a:ext cx="5486400" cy="3086100"/>
+          </a:xfrm>
+          <a:prstGeom prst="rect">
+            <a:avLst/>
+          </a:prstGeom>
+          <a:noFill/>
+          <a:ln w="12700">
+            <a:solidFill>
+              <a:prstClr val="black"/>
+            </a:solidFill>
+          </a:ln>
+        </p:spPr>
+        <p:txBody>
+          <a:bodyPr vert="horz" lIns="91440" tIns="45720" rIns="91440" bIns="45720" rtlCol="0" anchor="ctr"/>
+          <a:lstStyle/>
+          <a:p>
+            <a:endParaRPr lang="fr-FR"/>
+          </a:p>
+        </p:txBody>
+      </p:sp>
+      <p:sp>
+        <p:nvSpPr>
+          <p:cNvPr id="5" name="Espace réservé des commentaires 4"/>
+          <p:cNvSpPr>
+            <a:spLocks noGrp="1"/>
+          </p:cNvSpPr>
+          <p:nvPr>
+            <p:ph type="body" sz="quarter" idx="3"/>
+          </p:nvPr>
+        </p:nvSpPr>
+        <p:spPr>
+          <a:xfrm>
+            <a:off x="685800" y="4400550"/>
+            <a:ext cx="5486400" cy="3600450"/>
+          </a:xfrm>
+          <a:prstGeom prst="rect">
+            <a:avLst/>
+          </a:prstGeom>
+        </p:spPr>
+        <p:txBody>
+          <a:bodyPr vert="horz" lIns="91440" tIns="45720" rIns="91440" bIns="45720" rtlCol="0"/>
+          <a:lstStyle/>
+          <a:p>
+            <a:pPr lvl="0"/>
+            <a:r>
+              <a:rPr lang="fr-FR" smtClean="0"/>
+              <a:t>Modifiez les styles du texte du masque</a:t>
+            </a:r>
+          </a:p>
+          <a:p>
+            <a:pPr lvl="1"/>
+            <a:r>
+              <a:rPr lang="fr-FR" smtClean="0"/>
+              <a:t>Deuxième niveau</a:t>
+            </a:r>
+          </a:p>
+          <a:p>
+            <a:pPr lvl="2"/>
+            <a:r>
+              <a:rPr lang="fr-FR" smtClean="0"/>
+              <a:t>Troisième niveau</a:t>
+            </a:r>
+          </a:p>
+          <a:p>
+            <a:pPr lvl="3"/>
+            <a:r>
+              <a:rPr lang="fr-FR" smtClean="0"/>
+              <a:t>Quatrième niveau</a:t>
+            </a:r>
+          </a:p>
+          <a:p>
+            <a:pPr lvl="4"/>
+            <a:r>
+              <a:rPr lang="fr-FR" smtClean="0"/>
+              <a:t>Cinquième niveau</a:t>
+            </a:r>
+            <a:endParaRPr lang="fr-FR"/>
+          </a:p>
+        </p:txBody>
+      </p:sp>
+      <p:sp>
+        <p:nvSpPr>
+          <p:cNvPr id="6" name="Espace réservé du pied de page 5"/>
+          <p:cNvSpPr>
+            <a:spLocks noGrp="1"/>
+          </p:cNvSpPr>
+          <p:nvPr>
+            <p:ph type="ftr" sz="quarter" idx="4"/>
+          </p:nvPr>
+        </p:nvSpPr>
+        <p:spPr>
+          <a:xfrm>
+            <a:off x="0" y="8685213"/>
+            <a:ext cx="2971800" cy="458787"/>
+          </a:xfrm>
+          <a:prstGeom prst="rect">
+            <a:avLst/>
+          </a:prstGeom>
+        </p:spPr>
+        <p:txBody>
+          <a:bodyPr vert="horz" lIns="91440" tIns="45720" rIns="91440" bIns="45720" rtlCol="0" anchor="b"/>
+          <a:lstStyle>
+            <a:lvl1pPr algn="l">
+              <a:defRPr sz="1200"/>
+            </a:lvl1pPr>
+          </a:lstStyle>
+          <a:p>
+            <a:endParaRPr lang="fr-FR"/>
+          </a:p>
+        </p:txBody>
+      </p:sp>
+      <p:sp>
+        <p:nvSpPr>
+          <p:cNvPr id="7" name="Espace réservé du numéro de diapositive 6"/>
+          <p:cNvSpPr>
+            <a:spLocks noGrp="1"/>
+          </p:cNvSpPr>
+          <p:nvPr>
+            <p:ph type="sldNum" sz="quarter" idx="5"/>
+          </p:nvPr>
+        </p:nvSpPr>
+        <p:spPr>
+          <a:xfrm>
+            <a:off x="3884613" y="8685213"/>
+            <a:ext cx="2971800" cy="458787"/>
+          </a:xfrm>
+          <a:prstGeom prst="rect">
+            <a:avLst/>
+          </a:prstGeom>
+        </p:spPr>
+        <p:txBody>
+          <a:bodyPr vert="horz" lIns="91440" tIns="45720" rIns="91440" bIns="45720" rtlCol="0" anchor="b"/>
+          <a:lstStyle>
+            <a:lvl1pPr algn="r">
+              <a:defRPr sz="1200"/>
+            </a:lvl1pPr>
+          </a:lstStyle>
+          <a:p>
+            <a:fld id="{8593F81F-ABB4-401B-96DF-A0E299B2BA2B}" type="slidenum">
+              <a:rPr lang="fr-FR" smtClean="0"/>
+              <a:t>‹N°›</a:t>
+            </a:fld>
+            <a:endParaRPr lang="fr-FR"/>
+          </a:p>
+        </p:txBody>
+      </p:sp>
+    </p:spTree>
+    <p:extLst>
+      <p:ext uri="{BB962C8B-B14F-4D97-AF65-F5344CB8AC3E}">
+        <p14:creationId xmlns:p14="http://schemas.microsoft.com/office/powerpoint/2010/main" val="781916709"/>
+      </p:ext>
+    </p:extLst>
+  </p:cSld>
+  <p:clrMap bg1="lt1" tx1="dk1" bg2="lt2" tx2="dk2" accent1="accent1" accent2="accent2" accent3="accent3" accent4="accent4" accent5="accent5" accent6="accent6" hlink="hlink" folHlink="folHlink"/>
+  <p:notesStyle>
+    <a:lvl1pPr marL="0" algn="l" defTabSz="914400" rtl="0" eaLnBrk="1" latinLnBrk="0" hangingPunct="1">
+      <a:defRPr sz="1200" kern="1200">
+        <a:solidFill>
+          <a:schemeClr val="tx1"/>
+        </a:solidFill>
+        <a:latin typeface="+mn-lt"/>
+        <a:ea typeface="+mn-ea"/>
+        <a:cs typeface="+mn-cs"/>
+      </a:defRPr>
+    </a:lvl1pPr>
+    <a:lvl2pPr marL="457200" algn="l" defTabSz="914400" rtl="0" eaLnBrk="1" latinLnBrk="0" hangingPunct="1">
+      <a:defRPr sz="1200" kern="1200">
+        <a:solidFill>
+          <a:schemeClr val="tx1"/>
+        </a:solidFill>
+        <a:latin typeface="+mn-lt"/>
+        <a:ea typeface="+mn-ea"/>
+        <a:cs typeface="+mn-cs"/>
+      </a:defRPr>
+    </a:lvl2pPr>
+    <a:lvl3pPr marL="914400" algn="l" defTabSz="914400" rtl="0" eaLnBrk="1" latinLnBrk="0" hangingPunct="1">
+      <a:defRPr sz="1200" kern="1200">
+        <a:solidFill>
+          <a:schemeClr val="tx1"/>
+        </a:solidFill>
+        <a:latin typeface="+mn-lt"/>
+        <a:ea typeface="+mn-ea"/>
+        <a:cs typeface="+mn-cs"/>
+      </a:defRPr>
+    </a:lvl3pPr>
+    <a:lvl4pPr marL="1371600" algn="l" defTabSz="914400" rtl="0" eaLnBrk="1" latinLnBrk="0" hangingPunct="1">
+      <a:defRPr sz="1200" kern="1200">
+        <a:solidFill>
+          <a:schemeClr val="tx1"/>
+        </a:solidFill>
+        <a:latin typeface="+mn-lt"/>
+        <a:ea typeface="+mn-ea"/>
+        <a:cs typeface="+mn-cs"/>
+      </a:defRPr>
+    </a:lvl4pPr>
+    <a:lvl5pPr marL="1828800" algn="l" defTabSz="914400" rtl="0" eaLnBrk="1" latinLnBrk="0" hangingPunct="1">
+      <a:defRPr sz="1200" kern="1200">
+        <a:solidFill>
+          <a:schemeClr val="tx1"/>
+        </a:solidFill>
+        <a:latin typeface="+mn-lt"/>
+        <a:ea typeface="+mn-ea"/>
+        <a:cs typeface="+mn-cs"/>
+      </a:defRPr>
+    </a:lvl5pPr>
+    <a:lvl6pPr marL="2286000" algn="l" defTabSz="914400" rtl="0" eaLnBrk="1" latinLnBrk="0" hangingPunct="1">
+      <a:defRPr sz="1200" kern="1200">
+        <a:solidFill>
+          <a:schemeClr val="tx1"/>
+        </a:solidFill>
+        <a:latin typeface="+mn-lt"/>
+        <a:ea typeface="+mn-ea"/>
+        <a:cs typeface="+mn-cs"/>
+      </a:defRPr>
+    </a:lvl6pPr>
+    <a:lvl7pPr marL="2743200" algn="l" defTabSz="914400" rtl="0" eaLnBrk="1" latinLnBrk="0" hangingPunct="1">
+      <a:defRPr sz="1200" kern="1200">
+        <a:solidFill>
+          <a:schemeClr val="tx1"/>
+        </a:solidFill>
+        <a:latin typeface="+mn-lt"/>
+        <a:ea typeface="+mn-ea"/>
+        <a:cs typeface="+mn-cs"/>
+      </a:defRPr>
+    </a:lvl7pPr>
+    <a:lvl8pPr marL="3200400" algn="l" defTabSz="914400" rtl="0" eaLnBrk="1" latinLnBrk="0" hangingPunct="1">
+      <a:defRPr sz="1200" kern="1200">
+        <a:solidFill>
+          <a:schemeClr val="tx1"/>
+        </a:solidFill>
+        <a:latin typeface="+mn-lt"/>
+        <a:ea typeface="+mn-ea"/>
+        <a:cs typeface="+mn-cs"/>
+      </a:defRPr>
+    </a:lvl8pPr>
+    <a:lvl9pPr marL="3657600" algn="l" defTabSz="914400" rtl="0" eaLnBrk="1" latinLnBrk="0" hangingPunct="1">
+      <a:defRPr sz="1200" kern="1200">
+        <a:solidFill>
+          <a:schemeClr val="tx1"/>
+        </a:solidFill>
+        <a:latin typeface="+mn-lt"/>
+        <a:ea typeface="+mn-ea"/>
+        <a:cs typeface="+mn-cs"/>
+      </a:defRPr>
+    </a:lvl9pPr>
+  </p:notesStyle>
+</p:notesMaster>
+</file>
+
+<file path=ppt/notesSlides/notesSlide1.xml><?xml version="1.0" encoding="utf-8"?>
+<p:notes xmlns:a="http://schemas.openxmlformats.org/drawingml/2006/main" xmlns:r="http://schemas.openxmlformats.org/officeDocument/2006/relationships" xmlns:p="http://schemas.openxmlformats.org/presentationml/2006/main">
+  <p:cSld>
+    <p:spTree>
+      <p:nvGrpSpPr>
+        <p:cNvPr id="1" name=""/>
+        <p:cNvGrpSpPr/>
+        <p:nvPr/>
+      </p:nvGrpSpPr>
+      <p:grpSpPr>
+        <a:xfrm>
+          <a:off x="0" y="0"/>
+          <a:ext cx="0" cy="0"/>
+          <a:chOff x="0" y="0"/>
+          <a:chExt cx="0" cy="0"/>
+        </a:xfrm>
+      </p:grpSpPr>
+      <p:sp>
+        <p:nvSpPr>
+          <p:cNvPr id="2" name="Espace réservé de l'image des diapositives 1"/>
+          <p:cNvSpPr>
+            <a:spLocks noGrp="1" noRot="1" noChangeAspect="1"/>
+          </p:cNvSpPr>
+          <p:nvPr>
+            <p:ph type="sldImg"/>
+          </p:nvPr>
+        </p:nvSpPr>
+        <p:spPr/>
+      </p:sp>
+      <p:sp>
+        <p:nvSpPr>
+          <p:cNvPr id="3" name="Espace réservé des commentaires 2"/>
+          <p:cNvSpPr>
+            <a:spLocks noGrp="1"/>
+          </p:cNvSpPr>
+          <p:nvPr>
+            <p:ph type="body" idx="1"/>
+          </p:nvPr>
+        </p:nvSpPr>
+        <p:spPr/>
+        <p:txBody>
+          <a:bodyPr/>
+          <a:lstStyle/>
+          <a:p>
+            <a:endParaRPr lang="fr-FR"/>
+          </a:p>
+        </p:txBody>
+      </p:sp>
+      <p:sp>
+        <p:nvSpPr>
+          <p:cNvPr id="4" name="Espace réservé du numéro de diapositive 3"/>
+          <p:cNvSpPr>
+            <a:spLocks noGrp="1"/>
+          </p:cNvSpPr>
+          <p:nvPr>
+            <p:ph type="sldNum" sz="quarter" idx="10"/>
+          </p:nvPr>
+        </p:nvSpPr>
+        <p:spPr/>
+        <p:txBody>
+          <a:bodyPr/>
+          <a:lstStyle/>
+          <a:p>
+            <a:fld id="{8593F81F-ABB4-401B-96DF-A0E299B2BA2B}" type="slidenum">
+              <a:rPr lang="fr-FR" smtClean="0"/>
+              <a:t>1</a:t>
+            </a:fld>
+            <a:endParaRPr lang="fr-FR"/>
+          </a:p>
+        </p:txBody>
+      </p:sp>
+    </p:spTree>
+    <p:extLst>
+      <p:ext uri="{BB962C8B-B14F-4D97-AF65-F5344CB8AC3E}">
+        <p14:creationId xmlns:p14="http://schemas.microsoft.com/office/powerpoint/2010/main" val="895011164"/>
+      </p:ext>
+    </p:extLst>
+  </p:cSld>
+  <p:clrMapOvr>
+    <a:masterClrMapping/>
+  </p:clrMapOvr>
+</p:notes>
+</file>
+
+<file path=ppt/notesSlides/notesSlide2.xml><?xml version="1.0" encoding="utf-8"?>
+<p:notes xmlns:a="http://schemas.openxmlformats.org/drawingml/2006/main" xmlns:r="http://schemas.openxmlformats.org/officeDocument/2006/relationships" xmlns:p="http://schemas.openxmlformats.org/presentationml/2006/main">
+  <p:cSld>
+    <p:spTree>
+      <p:nvGrpSpPr>
+        <p:cNvPr id="1" name=""/>
+        <p:cNvGrpSpPr/>
+        <p:nvPr/>
+      </p:nvGrpSpPr>
+      <p:grpSpPr>
+        <a:xfrm>
+          <a:off x="0" y="0"/>
+          <a:ext cx="0" cy="0"/>
+          <a:chOff x="0" y="0"/>
+          <a:chExt cx="0" cy="0"/>
+        </a:xfrm>
+      </p:grpSpPr>
+      <p:sp>
+        <p:nvSpPr>
+          <p:cNvPr id="2" name="Espace réservé de l'image des diapositives 1"/>
+          <p:cNvSpPr>
+            <a:spLocks noGrp="1" noRot="1" noChangeAspect="1"/>
+          </p:cNvSpPr>
+          <p:nvPr>
+            <p:ph type="sldImg"/>
+          </p:nvPr>
+        </p:nvSpPr>
+        <p:spPr/>
+      </p:sp>
+      <p:sp>
+        <p:nvSpPr>
+          <p:cNvPr id="3" name="Espace réservé des commentaires 2"/>
+          <p:cNvSpPr>
+            <a:spLocks noGrp="1"/>
+          </p:cNvSpPr>
+          <p:nvPr>
+            <p:ph type="body" idx="1"/>
+          </p:nvPr>
+        </p:nvSpPr>
+        <p:spPr/>
+        <p:txBody>
+          <a:bodyPr/>
+          <a:lstStyle/>
+          <a:p>
+            <a:endParaRPr lang="fr-FR"/>
+          </a:p>
+        </p:txBody>
+      </p:sp>
+      <p:sp>
+        <p:nvSpPr>
+          <p:cNvPr id="4" name="Espace réservé du numéro de diapositive 3"/>
+          <p:cNvSpPr>
+            <a:spLocks noGrp="1"/>
+          </p:cNvSpPr>
+          <p:nvPr>
+            <p:ph type="sldNum" sz="quarter" idx="10"/>
+          </p:nvPr>
+        </p:nvSpPr>
+        <p:spPr/>
+        <p:txBody>
+          <a:bodyPr/>
+          <a:lstStyle/>
+          <a:p>
+            <a:fld id="{8593F81F-ABB4-401B-96DF-A0E299B2BA2B}" type="slidenum">
+              <a:rPr lang="fr-FR" smtClean="0"/>
+              <a:t>2</a:t>
+            </a:fld>
+            <a:endParaRPr lang="fr-FR"/>
+          </a:p>
+        </p:txBody>
+      </p:sp>
+    </p:spTree>
+    <p:extLst>
+      <p:ext uri="{BB962C8B-B14F-4D97-AF65-F5344CB8AC3E}">
+        <p14:creationId xmlns:p14="http://schemas.microsoft.com/office/powerpoint/2010/main" val="3274501319"/>
+      </p:ext>
+    </p:extLst>
+  </p:cSld>
+  <p:clrMapOvr>
+    <a:masterClrMapping/>
+  </p:clrMapOvr>
+</p:notes>
 </file>
 
 <file path=ppt/slideLayouts/slideLayout1.xml><?xml version="1.0" encoding="utf-8"?>
@@ -843,11 +1364,10 @@
           <a:bodyPr/>
           <a:lstStyle/>
           <a:p>
-            <a:fld id="{B61BEF0D-F0BB-DE4B-95CE-6DB70DBA9567}" type="datetimeFigureOut">
-              <a:rPr lang="en-US" dirty="0"/>
-              <a:pPr/>
-              <a:t>5/19/2015</a:t>
-            </a:fld>
+            <a:r>
+              <a:rPr lang="fr-FR" smtClean="0"/>
+              <a:t>21/05/15</a:t>
+            </a:r>
             <a:endParaRPr lang="en-US" dirty="0"/>
           </a:p>
         </p:txBody>
@@ -867,6 +1387,10 @@
           <a:bodyPr/>
           <a:lstStyle/>
           <a:p>
+            <a:r>
+              <a:rPr lang="fr-FR" smtClean="0"/>
+              <a:t>Présentation Multithreading - LE BISSONNAIS POUGET</a:t>
+            </a:r>
             <a:endParaRPr lang="en-US" dirty="0"/>
           </a:p>
         </p:txBody>
@@ -1091,11 +1615,10 @@
           <a:bodyPr/>
           <a:lstStyle/>
           <a:p>
-            <a:fld id="{B61BEF0D-F0BB-DE4B-95CE-6DB70DBA9567}" type="datetimeFigureOut">
-              <a:rPr lang="en-US" dirty="0"/>
-              <a:pPr/>
-              <a:t>5/19/2015</a:t>
-            </a:fld>
+            <a:r>
+              <a:rPr lang="fr-FR" smtClean="0"/>
+              <a:t>21/05/15</a:t>
+            </a:r>
             <a:endParaRPr lang="en-US" dirty="0"/>
           </a:p>
         </p:txBody>
@@ -1115,6 +1638,10 @@
           <a:bodyPr/>
           <a:lstStyle/>
           <a:p>
+            <a:r>
+              <a:rPr lang="fr-FR" smtClean="0"/>
+              <a:t>Présentation Multithreading - LE BISSONNAIS POUGET</a:t>
+            </a:r>
             <a:endParaRPr lang="en-US" dirty="0"/>
           </a:p>
         </p:txBody>
@@ -1402,11 +1929,10 @@
           <a:bodyPr/>
           <a:lstStyle/>
           <a:p>
-            <a:fld id="{B61BEF0D-F0BB-DE4B-95CE-6DB70DBA9567}" type="datetimeFigureOut">
-              <a:rPr lang="en-US" dirty="0"/>
-              <a:pPr/>
-              <a:t>5/19/2015</a:t>
-            </a:fld>
+            <a:r>
+              <a:rPr lang="fr-FR" smtClean="0"/>
+              <a:t>21/05/15</a:t>
+            </a:r>
             <a:endParaRPr lang="en-US" dirty="0"/>
           </a:p>
         </p:txBody>
@@ -1426,6 +1952,10 @@
           <a:bodyPr/>
           <a:lstStyle/>
           <a:p>
+            <a:r>
+              <a:rPr lang="fr-FR" smtClean="0"/>
+              <a:t>Présentation Multithreading - LE BISSONNAIS POUGET</a:t>
+            </a:r>
             <a:endParaRPr lang="en-US" dirty="0"/>
           </a:p>
         </p:txBody>
@@ -1740,11 +2270,10 @@
           <a:bodyPr/>
           <a:lstStyle/>
           <a:p>
-            <a:fld id="{B61BEF0D-F0BB-DE4B-95CE-6DB70DBA9567}" type="datetimeFigureOut">
-              <a:rPr lang="en-US" dirty="0"/>
-              <a:pPr/>
-              <a:t>5/19/2015</a:t>
-            </a:fld>
+            <a:r>
+              <a:rPr lang="fr-FR" smtClean="0"/>
+              <a:t>21/05/15</a:t>
+            </a:r>
             <a:endParaRPr lang="en-US" dirty="0"/>
           </a:p>
         </p:txBody>
@@ -1764,6 +2293,10 @@
           <a:bodyPr/>
           <a:lstStyle/>
           <a:p>
+            <a:r>
+              <a:rPr lang="fr-FR" smtClean="0"/>
+              <a:t>Présentation Multithreading - LE BISSONNAIS POUGET</a:t>
+            </a:r>
             <a:endParaRPr lang="en-US" dirty="0"/>
           </a:p>
         </p:txBody>
@@ -2051,11 +2584,10 @@
           <a:bodyPr/>
           <a:lstStyle/>
           <a:p>
-            <a:fld id="{B61BEF0D-F0BB-DE4B-95CE-6DB70DBA9567}" type="datetimeFigureOut">
-              <a:rPr lang="en-US" dirty="0"/>
-              <a:pPr/>
-              <a:t>5/19/2015</a:t>
-            </a:fld>
+            <a:r>
+              <a:rPr lang="fr-FR" smtClean="0"/>
+              <a:t>21/05/15</a:t>
+            </a:r>
             <a:endParaRPr lang="en-US" dirty="0"/>
           </a:p>
         </p:txBody>
@@ -2075,6 +2607,10 @@
           <a:bodyPr/>
           <a:lstStyle/>
           <a:p>
+            <a:r>
+              <a:rPr lang="fr-FR" smtClean="0"/>
+              <a:t>Présentation Multithreading - LE BISSONNAIS POUGET</a:t>
+            </a:r>
             <a:endParaRPr lang="en-US" dirty="0"/>
           </a:p>
         </p:txBody>
@@ -2441,11 +2977,10 @@
           <a:bodyPr/>
           <a:lstStyle/>
           <a:p>
-            <a:fld id="{B61BEF0D-F0BB-DE4B-95CE-6DB70DBA9567}" type="datetimeFigureOut">
-              <a:rPr lang="en-US" dirty="0"/>
-              <a:pPr/>
-              <a:t>5/19/2015</a:t>
-            </a:fld>
+            <a:r>
+              <a:rPr lang="fr-FR" smtClean="0"/>
+              <a:t>21/05/15</a:t>
+            </a:r>
             <a:endParaRPr lang="en-US" dirty="0"/>
           </a:p>
         </p:txBody>
@@ -2465,6 +3000,10 @@
           <a:bodyPr/>
           <a:lstStyle/>
           <a:p>
+            <a:r>
+              <a:rPr lang="fr-FR" smtClean="0"/>
+              <a:t>Présentation Multithreading - LE BISSONNAIS POUGET</a:t>
+            </a:r>
             <a:endParaRPr lang="en-US" dirty="0"/>
           </a:p>
         </p:txBody>
@@ -2608,10 +3147,10 @@
           <a:bodyPr/>
           <a:lstStyle/>
           <a:p>
-            <a:fld id="{55C6B4A9-1611-4792-9094-5F34BCA07E0B}" type="datetimeFigureOut">
-              <a:rPr lang="en-US" dirty="0"/>
-              <a:t>5/19/2015</a:t>
-            </a:fld>
+            <a:r>
+              <a:rPr lang="fr-FR" smtClean="0"/>
+              <a:t>21/05/15</a:t>
+            </a:r>
             <a:endParaRPr lang="en-US" dirty="0"/>
           </a:p>
         </p:txBody>
@@ -2631,6 +3170,10 @@
           <a:bodyPr/>
           <a:lstStyle/>
           <a:p>
+            <a:r>
+              <a:rPr lang="fr-FR" smtClean="0"/>
+              <a:t>Présentation Multithreading - LE BISSONNAIS POUGET</a:t>
+            </a:r>
             <a:endParaRPr lang="en-US" dirty="0"/>
           </a:p>
         </p:txBody>
@@ -2783,11 +3326,10 @@
           <a:bodyPr/>
           <a:lstStyle/>
           <a:p>
-            <a:fld id="{B61BEF0D-F0BB-DE4B-95CE-6DB70DBA9567}" type="datetimeFigureOut">
-              <a:rPr lang="en-US" dirty="0"/>
-              <a:pPr/>
-              <a:t>5/19/2015</a:t>
-            </a:fld>
+            <a:r>
+              <a:rPr lang="fr-FR" smtClean="0"/>
+              <a:t>21/05/15</a:t>
+            </a:r>
             <a:endParaRPr lang="en-US" dirty="0"/>
           </a:p>
         </p:txBody>
@@ -2807,6 +3349,10 @@
           <a:bodyPr/>
           <a:lstStyle/>
           <a:p>
+            <a:r>
+              <a:rPr lang="fr-FR" smtClean="0"/>
+              <a:t>Présentation Multithreading - LE BISSONNAIS POUGET</a:t>
+            </a:r>
             <a:endParaRPr lang="en-US" dirty="0"/>
           </a:p>
         </p:txBody>
@@ -2956,11 +3502,10 @@
           <a:bodyPr/>
           <a:lstStyle/>
           <a:p>
-            <a:fld id="{B61BEF0D-F0BB-DE4B-95CE-6DB70DBA9567}" type="datetimeFigureOut">
-              <a:rPr lang="en-US" dirty="0"/>
-              <a:pPr/>
-              <a:t>5/19/2015</a:t>
-            </a:fld>
+            <a:r>
+              <a:rPr lang="fr-FR" smtClean="0"/>
+              <a:t>21/05/15</a:t>
+            </a:r>
             <a:endParaRPr lang="en-US" dirty="0"/>
           </a:p>
         </p:txBody>
@@ -2980,6 +3525,10 @@
           <a:bodyPr/>
           <a:lstStyle/>
           <a:p>
+            <a:r>
+              <a:rPr lang="fr-FR" smtClean="0"/>
+              <a:t>Présentation Multithreading - LE BISSONNAIS POUGET</a:t>
+            </a:r>
             <a:endParaRPr lang="en-US" dirty="0"/>
           </a:p>
         </p:txBody>
@@ -3200,11 +3749,10 @@
           <a:bodyPr/>
           <a:lstStyle/>
           <a:p>
-            <a:fld id="{B61BEF0D-F0BB-DE4B-95CE-6DB70DBA9567}" type="datetimeFigureOut">
-              <a:rPr lang="en-US" dirty="0"/>
-              <a:pPr/>
-              <a:t>5/19/2015</a:t>
-            </a:fld>
+            <a:r>
+              <a:rPr lang="fr-FR" smtClean="0"/>
+              <a:t>21/05/15</a:t>
+            </a:r>
             <a:endParaRPr lang="en-US" dirty="0"/>
           </a:p>
         </p:txBody>
@@ -3224,6 +3772,10 @@
           <a:bodyPr/>
           <a:lstStyle/>
           <a:p>
+            <a:r>
+              <a:rPr lang="fr-FR" smtClean="0"/>
+              <a:t>Présentation Multithreading - LE BISSONNAIS POUGET</a:t>
+            </a:r>
             <a:endParaRPr lang="en-US" dirty="0"/>
           </a:p>
         </p:txBody>
@@ -3429,10 +3981,10 @@
           <a:bodyPr/>
           <a:lstStyle/>
           <a:p>
-            <a:fld id="{EB712588-04B1-427B-82EE-E8DB90309F08}" type="datetimeFigureOut">
-              <a:rPr lang="en-US" dirty="0"/>
-              <a:t>5/19/2015</a:t>
-            </a:fld>
+            <a:r>
+              <a:rPr lang="fr-FR" smtClean="0"/>
+              <a:t>21/05/15</a:t>
+            </a:r>
             <a:endParaRPr lang="en-US" dirty="0"/>
           </a:p>
         </p:txBody>
@@ -3452,6 +4004,10 @@
           <a:bodyPr/>
           <a:lstStyle/>
           <a:p>
+            <a:r>
+              <a:rPr lang="fr-FR" smtClean="0"/>
+              <a:t>Présentation Multithreading - LE BISSONNAIS POUGET</a:t>
+            </a:r>
             <a:endParaRPr lang="en-US" dirty="0"/>
           </a:p>
         </p:txBody>
@@ -3798,11 +4354,10 @@
           <a:bodyPr/>
           <a:lstStyle/>
           <a:p>
-            <a:fld id="{B61BEF0D-F0BB-DE4B-95CE-6DB70DBA9567}" type="datetimeFigureOut">
-              <a:rPr lang="en-US" dirty="0"/>
-              <a:pPr/>
-              <a:t>5/19/2015</a:t>
-            </a:fld>
+            <a:r>
+              <a:rPr lang="fr-FR" smtClean="0"/>
+              <a:t>21/05/15</a:t>
+            </a:r>
             <a:endParaRPr lang="en-US" dirty="0"/>
           </a:p>
         </p:txBody>
@@ -3822,6 +4377,10 @@
           <a:bodyPr/>
           <a:lstStyle/>
           <a:p>
+            <a:r>
+              <a:rPr lang="fr-FR" smtClean="0"/>
+              <a:t>Présentation Multithreading - LE BISSONNAIS POUGET</a:t>
+            </a:r>
             <a:endParaRPr lang="en-US" dirty="0"/>
           </a:p>
         </p:txBody>
@@ -3918,11 +4477,10 @@
           <a:bodyPr/>
           <a:lstStyle/>
           <a:p>
-            <a:fld id="{B61BEF0D-F0BB-DE4B-95CE-6DB70DBA9567}" type="datetimeFigureOut">
-              <a:rPr lang="en-US" dirty="0"/>
-              <a:pPr/>
-              <a:t>5/19/2015</a:t>
-            </a:fld>
+            <a:r>
+              <a:rPr lang="fr-FR" smtClean="0"/>
+              <a:t>21/05/15</a:t>
+            </a:r>
             <a:endParaRPr lang="en-US" dirty="0"/>
           </a:p>
         </p:txBody>
@@ -3942,6 +4500,10 @@
           <a:bodyPr/>
           <a:lstStyle/>
           <a:p>
+            <a:r>
+              <a:rPr lang="fr-FR" smtClean="0"/>
+              <a:t>Présentation Multithreading - LE BISSONNAIS POUGET</a:t>
+            </a:r>
             <a:endParaRPr lang="en-US" dirty="0"/>
           </a:p>
         </p:txBody>
@@ -4010,11 +4572,10 @@
           <a:bodyPr/>
           <a:lstStyle/>
           <a:p>
-            <a:fld id="{B61BEF0D-F0BB-DE4B-95CE-6DB70DBA9567}" type="datetimeFigureOut">
-              <a:rPr lang="en-US" dirty="0"/>
-              <a:pPr/>
-              <a:t>5/19/2015</a:t>
-            </a:fld>
+            <a:r>
+              <a:rPr lang="fr-FR" smtClean="0"/>
+              <a:t>21/05/15</a:t>
+            </a:r>
             <a:endParaRPr lang="en-US" dirty="0"/>
           </a:p>
         </p:txBody>
@@ -4034,6 +4595,10 @@
           <a:bodyPr/>
           <a:lstStyle/>
           <a:p>
+            <a:r>
+              <a:rPr lang="fr-FR" smtClean="0"/>
+              <a:t>Présentation Multithreading - LE BISSONNAIS POUGET</a:t>
+            </a:r>
             <a:endParaRPr lang="en-US" dirty="0"/>
           </a:p>
         </p:txBody>
@@ -4262,10 +4827,10 @@
           <a:bodyPr/>
           <a:lstStyle/>
           <a:p>
-            <a:fld id="{42A54C80-263E-416B-A8E0-580EDEADCBDC}" type="datetimeFigureOut">
-              <a:rPr lang="en-US" dirty="0"/>
-              <a:t>5/19/2015</a:t>
-            </a:fld>
+            <a:r>
+              <a:rPr lang="fr-FR" smtClean="0"/>
+              <a:t>21/05/15</a:t>
+            </a:r>
             <a:endParaRPr lang="en-US" dirty="0"/>
           </a:p>
         </p:txBody>
@@ -4285,6 +4850,10 @@
           <a:bodyPr/>
           <a:lstStyle/>
           <a:p>
+            <a:r>
+              <a:rPr lang="fr-FR" smtClean="0"/>
+              <a:t>Présentation Multithreading - LE BISSONNAIS POUGET</a:t>
+            </a:r>
             <a:endParaRPr lang="en-US" dirty="0"/>
           </a:p>
         </p:txBody>
@@ -4520,11 +5089,10 @@
           <a:bodyPr/>
           <a:lstStyle/>
           <a:p>
-            <a:fld id="{B61BEF0D-F0BB-DE4B-95CE-6DB70DBA9567}" type="datetimeFigureOut">
-              <a:rPr lang="en-US" dirty="0"/>
-              <a:pPr/>
-              <a:t>5/19/2015</a:t>
-            </a:fld>
+            <a:r>
+              <a:rPr lang="fr-FR" smtClean="0"/>
+              <a:t>21/05/15</a:t>
+            </a:r>
             <a:endParaRPr lang="en-US" dirty="0"/>
           </a:p>
         </p:txBody>
@@ -4544,6 +5112,10 @@
           <a:bodyPr/>
           <a:lstStyle/>
           <a:p>
+            <a:r>
+              <a:rPr lang="fr-FR" smtClean="0"/>
+              <a:t>Présentation Multithreading - LE BISSONNAIS POUGET</a:t>
+            </a:r>
             <a:endParaRPr lang="en-US" dirty="0"/>
           </a:p>
         </p:txBody>
@@ -5260,11 +5832,10 @@
             </a:lvl1pPr>
           </a:lstStyle>
           <a:p>
-            <a:fld id="{B61BEF0D-F0BB-DE4B-95CE-6DB70DBA9567}" type="datetimeFigureOut">
-              <a:rPr lang="en-US" dirty="0"/>
-              <a:pPr/>
-              <a:t>5/19/2015</a:t>
-            </a:fld>
+            <a:r>
+              <a:rPr lang="fr-FR" smtClean="0"/>
+              <a:t>21/05/15</a:t>
+            </a:r>
             <a:endParaRPr lang="en-US" dirty="0"/>
           </a:p>
         </p:txBody>
@@ -5302,6 +5873,10 @@
             </a:lvl1pPr>
           </a:lstStyle>
           <a:p>
+            <a:r>
+              <a:rPr lang="fr-FR" smtClean="0"/>
+              <a:t>Présentation Multithreading - LE BISSONNAIS POUGET</a:t>
+            </a:r>
             <a:endParaRPr lang="en-US" dirty="0"/>
           </a:p>
         </p:txBody>
@@ -5367,6 +5942,7 @@
     <p:sldLayoutId id="2147483667" r:id="rId15"/>
     <p:sldLayoutId id="2147483659" r:id="rId16"/>
   </p:sldLayoutIdLst>
+  <p:hf hdr="0"/>
   <p:txStyles>
     <p:titleStyle>
       <a:lvl1pPr algn="l" defTabSz="457200" rtl="0" eaLnBrk="1" latinLnBrk="0" hangingPunct="1">
@@ -5821,7 +6397,21 @@
           <a:bodyPr/>
           <a:lstStyle/>
           <a:p>
-            <a:endParaRPr lang="fr-FR"/>
+            <a:r>
+              <a:rPr lang="fr-FR" dirty="0" smtClean="0"/>
+              <a:t>LE BISSONNAIS Gautier</a:t>
+            </a:r>
+          </a:p>
+          <a:p>
+            <a:r>
+              <a:rPr lang="fr-FR" dirty="0"/>
+              <a:t>	</a:t>
+            </a:r>
+            <a:r>
+              <a:rPr lang="fr-FR" dirty="0" smtClean="0"/>
+              <a:t>POUGET François</a:t>
+            </a:r>
+            <a:endParaRPr lang="fr-FR" dirty="0"/>
           </a:p>
         </p:txBody>
       </p:sp>
@@ -5835,6 +6425,13 @@
   <p:clrMapOvr>
     <a:masterClrMapping/>
   </p:clrMapOvr>
+  <p:timing>
+    <p:tnLst>
+      <p:par>
+        <p:cTn id="1" dur="indefinite" restart="never" nodeType="tmRoot"/>
+      </p:par>
+    </p:tnLst>
+  </p:timing>
 </p:sld>
 </file>
 
@@ -5893,26 +6490,96 @@
           <a:lstStyle/>
           <a:p>
             <a:r>
-              <a:rPr lang="fr-FR" dirty="0"/>
+              <a:rPr lang="fr-FR" sz="2800" dirty="0"/>
               <a:t>Invocation du web service</a:t>
             </a:r>
           </a:p>
           <a:p>
             <a:r>
-              <a:rPr lang="fr-FR" dirty="0" smtClean="0"/>
+              <a:rPr lang="fr-FR" sz="2800" dirty="0" smtClean="0"/>
               <a:t>Animation d’image</a:t>
             </a:r>
+            <a:endParaRPr lang="fr-FR" sz="2800" dirty="0"/>
+          </a:p>
+          <a:p>
+            <a:r>
+              <a:rPr lang="fr-FR" sz="2800" dirty="0" smtClean="0"/>
+              <a:t>Utilisation de Thread</a:t>
+            </a:r>
+            <a:endParaRPr lang="fr-FR" sz="2800" dirty="0"/>
+          </a:p>
+          <a:p>
             <a:endParaRPr lang="fr-FR" dirty="0"/>
           </a:p>
-          <a:p>
-            <a:r>
-              <a:rPr lang="fr-FR" dirty="0" smtClean="0"/>
-              <a:t>Utilisation de Thread</a:t>
-            </a:r>
-            <a:endParaRPr lang="fr-FR" dirty="0"/>
-          </a:p>
-          <a:p>
-            <a:endParaRPr lang="fr-FR" dirty="0"/>
+        </p:txBody>
+      </p:sp>
+      <p:sp>
+        <p:nvSpPr>
+          <p:cNvPr id="4" name="Espace réservé de la date 3"/>
+          <p:cNvSpPr>
+            <a:spLocks noGrp="1"/>
+          </p:cNvSpPr>
+          <p:nvPr>
+            <p:ph type="dt" sz="half" idx="10"/>
+          </p:nvPr>
+        </p:nvSpPr>
+        <p:spPr/>
+        <p:txBody>
+          <a:bodyPr/>
+          <a:lstStyle/>
+          <a:p>
+            <a:r>
+              <a:rPr lang="fr-FR" smtClean="0"/>
+              <a:t>21/05/15</a:t>
+            </a:r>
+            <a:endParaRPr lang="en-US" dirty="0"/>
+          </a:p>
+        </p:txBody>
+      </p:sp>
+      <p:sp>
+        <p:nvSpPr>
+          <p:cNvPr id="5" name="Espace réservé du pied de page 4"/>
+          <p:cNvSpPr>
+            <a:spLocks noGrp="1"/>
+          </p:cNvSpPr>
+          <p:nvPr>
+            <p:ph type="ftr" sz="quarter" idx="11"/>
+          </p:nvPr>
+        </p:nvSpPr>
+        <p:spPr/>
+        <p:txBody>
+          <a:bodyPr/>
+          <a:lstStyle/>
+          <a:p>
+            <a:r>
+              <a:rPr lang="fr-FR" smtClean="0"/>
+              <a:t>Présentation Multithreading - LE BISSONNAIS POUGET</a:t>
+            </a:r>
+            <a:endParaRPr lang="en-US" dirty="0"/>
+          </a:p>
+        </p:txBody>
+      </p:sp>
+      <p:sp>
+        <p:nvSpPr>
+          <p:cNvPr id="6" name="Espace réservé du numéro de diapositive 5"/>
+          <p:cNvSpPr>
+            <a:spLocks noGrp="1"/>
+          </p:cNvSpPr>
+          <p:nvPr>
+            <p:ph type="sldNum" sz="quarter" idx="12"/>
+          </p:nvPr>
+        </p:nvSpPr>
+        <p:spPr/>
+        <p:txBody>
+          <a:bodyPr/>
+          <a:lstStyle/>
+          <a:p>
+            <a:fld id="{D57F1E4F-1CFF-5643-939E-217C01CDF565}" type="slidenum">
+              <a:rPr lang="en-US" smtClean="0"/>
+              <a:pPr/>
+              <a:t>10</a:t>
+            </a:fld>
+            <a:endParaRPr lang="en-US" dirty="0"/>
           </a:p>
         </p:txBody>
       </p:sp>
@@ -5984,35 +6651,106 @@
         </p:nvSpPr>
         <p:spPr/>
         <p:txBody>
-          <a:bodyPr/>
-          <a:lstStyle/>
-          <a:p>
-            <a:r>
-              <a:rPr lang="fr-FR" dirty="0" smtClean="0"/>
+          <a:bodyPr>
+            <a:normAutofit/>
+          </a:bodyPr>
+          <a:lstStyle/>
+          <a:p>
+            <a:r>
+              <a:rPr lang="fr-FR" sz="2800" dirty="0" smtClean="0"/>
               <a:t>Gain </a:t>
             </a:r>
             <a:r>
-              <a:rPr lang="fr-FR" dirty="0"/>
+              <a:rPr lang="fr-FR" sz="2800" dirty="0"/>
               <a:t>de compétence, notamment en </a:t>
             </a:r>
             <a:r>
-              <a:rPr lang="fr-FR" dirty="0" smtClean="0"/>
+              <a:rPr lang="fr-FR" sz="2800" dirty="0" smtClean="0"/>
               <a:t>multithreading </a:t>
             </a:r>
-            <a:endParaRPr lang="fr-FR" dirty="0"/>
-          </a:p>
-          <a:p>
-            <a:r>
-              <a:rPr lang="fr-FR" dirty="0"/>
+            <a:endParaRPr lang="fr-FR" sz="2800" dirty="0"/>
+          </a:p>
+          <a:p>
+            <a:r>
+              <a:rPr lang="fr-FR" sz="2800" dirty="0"/>
               <a:t>Expérience enrichissante</a:t>
             </a:r>
           </a:p>
           <a:p>
             <a:r>
-              <a:rPr lang="fr-FR" dirty="0"/>
+              <a:rPr lang="fr-FR" sz="2800" dirty="0"/>
               <a:t>Gestion de projet</a:t>
             </a:r>
-            <a:endParaRPr lang="fr-FR" dirty="0"/>
+          </a:p>
+        </p:txBody>
+      </p:sp>
+      <p:sp>
+        <p:nvSpPr>
+          <p:cNvPr id="4" name="Espace réservé de la date 3"/>
+          <p:cNvSpPr>
+            <a:spLocks noGrp="1"/>
+          </p:cNvSpPr>
+          <p:nvPr>
+            <p:ph type="dt" sz="half" idx="10"/>
+          </p:nvPr>
+        </p:nvSpPr>
+        <p:spPr/>
+        <p:txBody>
+          <a:bodyPr/>
+          <a:lstStyle/>
+          <a:p>
+            <a:r>
+              <a:rPr lang="fr-FR" smtClean="0"/>
+              <a:t>21/05/15</a:t>
+            </a:r>
+            <a:endParaRPr lang="en-US" dirty="0"/>
+          </a:p>
+        </p:txBody>
+      </p:sp>
+      <p:sp>
+        <p:nvSpPr>
+          <p:cNvPr id="5" name="Espace réservé du pied de page 4"/>
+          <p:cNvSpPr>
+            <a:spLocks noGrp="1"/>
+          </p:cNvSpPr>
+          <p:nvPr>
+            <p:ph type="ftr" sz="quarter" idx="11"/>
+          </p:nvPr>
+        </p:nvSpPr>
+        <p:spPr/>
+        <p:txBody>
+          <a:bodyPr/>
+          <a:lstStyle/>
+          <a:p>
+            <a:r>
+              <a:rPr lang="fr-FR" smtClean="0"/>
+              <a:t>Présentation Multithreading - LE BISSONNAIS POUGET</a:t>
+            </a:r>
+            <a:endParaRPr lang="en-US" dirty="0"/>
+          </a:p>
+        </p:txBody>
+      </p:sp>
+      <p:sp>
+        <p:nvSpPr>
+          <p:cNvPr id="6" name="Espace réservé du numéro de diapositive 5"/>
+          <p:cNvSpPr>
+            <a:spLocks noGrp="1"/>
+          </p:cNvSpPr>
+          <p:nvPr>
+            <p:ph type="sldNum" sz="quarter" idx="12"/>
+          </p:nvPr>
+        </p:nvSpPr>
+        <p:spPr/>
+        <p:txBody>
+          <a:bodyPr/>
+          <a:lstStyle/>
+          <a:p>
+            <a:fld id="{D57F1E4F-1CFF-5643-939E-217C01CDF565}" type="slidenum">
+              <a:rPr lang="en-US" smtClean="0"/>
+              <a:pPr/>
+              <a:t>11</a:t>
+            </a:fld>
+            <a:endParaRPr lang="en-US" dirty="0"/>
           </a:p>
         </p:txBody>
       </p:sp>
@@ -6098,6 +6836,76 @@
           </a:p>
         </p:txBody>
       </p:sp>
+      <p:sp>
+        <p:nvSpPr>
+          <p:cNvPr id="4" name="Espace réservé de la date 3"/>
+          <p:cNvSpPr>
+            <a:spLocks noGrp="1"/>
+          </p:cNvSpPr>
+          <p:nvPr>
+            <p:ph type="dt" sz="half" idx="10"/>
+          </p:nvPr>
+        </p:nvSpPr>
+        <p:spPr/>
+        <p:txBody>
+          <a:bodyPr/>
+          <a:lstStyle/>
+          <a:p>
+            <a:r>
+              <a:rPr lang="fr-FR" smtClean="0"/>
+              <a:t>21/05/15</a:t>
+            </a:r>
+            <a:endParaRPr lang="en-US" dirty="0"/>
+          </a:p>
+        </p:txBody>
+      </p:sp>
+      <p:sp>
+        <p:nvSpPr>
+          <p:cNvPr id="5" name="Espace réservé du pied de page 4"/>
+          <p:cNvSpPr>
+            <a:spLocks noGrp="1"/>
+          </p:cNvSpPr>
+          <p:nvPr>
+            <p:ph type="ftr" sz="quarter" idx="11"/>
+          </p:nvPr>
+        </p:nvSpPr>
+        <p:spPr/>
+        <p:txBody>
+          <a:bodyPr/>
+          <a:lstStyle/>
+          <a:p>
+            <a:r>
+              <a:rPr lang="fr-FR" smtClean="0"/>
+              <a:t>Présentation Multithreading - LE BISSONNAIS POUGET</a:t>
+            </a:r>
+            <a:endParaRPr lang="en-US" dirty="0"/>
+          </a:p>
+        </p:txBody>
+      </p:sp>
+      <p:sp>
+        <p:nvSpPr>
+          <p:cNvPr id="6" name="Espace réservé du numéro de diapositive 5"/>
+          <p:cNvSpPr>
+            <a:spLocks noGrp="1"/>
+          </p:cNvSpPr>
+          <p:nvPr>
+            <p:ph type="sldNum" sz="quarter" idx="12"/>
+          </p:nvPr>
+        </p:nvSpPr>
+        <p:spPr/>
+        <p:txBody>
+          <a:bodyPr/>
+          <a:lstStyle/>
+          <a:p>
+            <a:fld id="{D57F1E4F-1CFF-5643-939E-217C01CDF565}" type="slidenum">
+              <a:rPr lang="en-US" smtClean="0"/>
+              <a:pPr/>
+              <a:t>12</a:t>
+            </a:fld>
+            <a:endParaRPr lang="en-US" dirty="0"/>
+          </a:p>
+        </p:txBody>
+      </p:sp>
     </p:spTree>
     <p:extLst>
       <p:ext uri="{BB962C8B-B14F-4D97-AF65-F5344CB8AC3E}">
@@ -6203,6 +7011,76 @@
           </a:p>
         </p:txBody>
       </p:sp>
+      <p:sp>
+        <p:nvSpPr>
+          <p:cNvPr id="4" name="Espace réservé de la date 3"/>
+          <p:cNvSpPr>
+            <a:spLocks noGrp="1"/>
+          </p:cNvSpPr>
+          <p:nvPr>
+            <p:ph type="dt" sz="half" idx="10"/>
+          </p:nvPr>
+        </p:nvSpPr>
+        <p:spPr/>
+        <p:txBody>
+          <a:bodyPr/>
+          <a:lstStyle/>
+          <a:p>
+            <a:r>
+              <a:rPr lang="fr-FR" smtClean="0"/>
+              <a:t>21/05/15</a:t>
+            </a:r>
+            <a:endParaRPr lang="en-US" dirty="0"/>
+          </a:p>
+        </p:txBody>
+      </p:sp>
+      <p:sp>
+        <p:nvSpPr>
+          <p:cNvPr id="5" name="Espace réservé du pied de page 4"/>
+          <p:cNvSpPr>
+            <a:spLocks noGrp="1"/>
+          </p:cNvSpPr>
+          <p:nvPr>
+            <p:ph type="ftr" sz="quarter" idx="11"/>
+          </p:nvPr>
+        </p:nvSpPr>
+        <p:spPr/>
+        <p:txBody>
+          <a:bodyPr/>
+          <a:lstStyle/>
+          <a:p>
+            <a:r>
+              <a:rPr lang="fr-FR" smtClean="0"/>
+              <a:t>Présentation Multithreading - LE BISSONNAIS POUGET</a:t>
+            </a:r>
+            <a:endParaRPr lang="en-US" dirty="0"/>
+          </a:p>
+        </p:txBody>
+      </p:sp>
+      <p:sp>
+        <p:nvSpPr>
+          <p:cNvPr id="6" name="Espace réservé du numéro de diapositive 5"/>
+          <p:cNvSpPr>
+            <a:spLocks noGrp="1"/>
+          </p:cNvSpPr>
+          <p:nvPr>
+            <p:ph type="sldNum" sz="quarter" idx="12"/>
+          </p:nvPr>
+        </p:nvSpPr>
+        <p:spPr/>
+        <p:txBody>
+          <a:bodyPr/>
+          <a:lstStyle/>
+          <a:p>
+            <a:fld id="{D57F1E4F-1CFF-5643-939E-217C01CDF565}" type="slidenum">
+              <a:rPr lang="en-US" smtClean="0"/>
+              <a:pPr/>
+              <a:t>2</a:t>
+            </a:fld>
+            <a:endParaRPr lang="en-US" dirty="0"/>
+          </a:p>
+        </p:txBody>
+      </p:sp>
     </p:spTree>
     <p:extLst>
       <p:ext uri="{BB962C8B-B14F-4D97-AF65-F5344CB8AC3E}">
@@ -6213,6 +7091,13 @@
   <p:clrMapOvr>
     <a:masterClrMapping/>
   </p:clrMapOvr>
+  <p:timing>
+    <p:tnLst>
+      <p:par>
+        <p:cTn id="1" dur="indefinite" restart="never" nodeType="tmRoot"/>
+      </p:par>
+    </p:tnLst>
+  </p:timing>
 </p:sld>
 </file>
 
@@ -6271,38 +7156,108 @@
           <a:lstStyle/>
           <a:p>
             <a:r>
-              <a:rPr lang="fr-FR" dirty="0"/>
+              <a:rPr lang="fr-FR" sz="2000" dirty="0"/>
               <a:t>Projet à effectuer en groupes</a:t>
             </a:r>
           </a:p>
           <a:p>
             <a:r>
-              <a:rPr lang="fr-FR" dirty="0"/>
+              <a:rPr lang="fr-FR" sz="2000" dirty="0"/>
               <a:t>Élaboration d’une documentation complète</a:t>
             </a:r>
           </a:p>
           <a:p>
             <a:pPr lvl="1"/>
             <a:r>
-              <a:rPr lang="fr-FR" dirty="0"/>
+              <a:rPr lang="fr-FR" sz="2000" dirty="0"/>
               <a:t>Fonctionnelle </a:t>
             </a:r>
           </a:p>
           <a:p>
             <a:pPr lvl="1"/>
             <a:r>
-              <a:rPr lang="fr-FR" dirty="0"/>
+              <a:rPr lang="fr-FR" sz="2000" dirty="0"/>
               <a:t>Technique</a:t>
             </a:r>
           </a:p>
           <a:p>
             <a:r>
-              <a:rPr lang="fr-FR" dirty="0"/>
+              <a:rPr lang="fr-FR" sz="2000" dirty="0"/>
               <a:t>Démonstration ainsi que présentation orale devant un jury</a:t>
             </a:r>
           </a:p>
           <a:p>
             <a:endParaRPr lang="fr-FR" dirty="0"/>
+          </a:p>
+        </p:txBody>
+      </p:sp>
+      <p:sp>
+        <p:nvSpPr>
+          <p:cNvPr id="4" name="Espace réservé de la date 3"/>
+          <p:cNvSpPr>
+            <a:spLocks noGrp="1"/>
+          </p:cNvSpPr>
+          <p:nvPr>
+            <p:ph type="dt" sz="half" idx="10"/>
+          </p:nvPr>
+        </p:nvSpPr>
+        <p:spPr/>
+        <p:txBody>
+          <a:bodyPr/>
+          <a:lstStyle/>
+          <a:p>
+            <a:r>
+              <a:rPr lang="fr-FR" smtClean="0"/>
+              <a:t>21/05/15</a:t>
+            </a:r>
+            <a:endParaRPr lang="en-US" dirty="0"/>
+          </a:p>
+        </p:txBody>
+      </p:sp>
+      <p:sp>
+        <p:nvSpPr>
+          <p:cNvPr id="5" name="Espace réservé du pied de page 4"/>
+          <p:cNvSpPr>
+            <a:spLocks noGrp="1"/>
+          </p:cNvSpPr>
+          <p:nvPr>
+            <p:ph type="ftr" sz="quarter" idx="11"/>
+          </p:nvPr>
+        </p:nvSpPr>
+        <p:spPr/>
+        <p:txBody>
+          <a:bodyPr/>
+          <a:lstStyle/>
+          <a:p>
+            <a:r>
+              <a:rPr lang="fr-FR" smtClean="0"/>
+              <a:t>Présentation Multithreading - LE BISSONNAIS POUGET</a:t>
+            </a:r>
+            <a:endParaRPr lang="en-US" dirty="0"/>
+          </a:p>
+        </p:txBody>
+      </p:sp>
+      <p:sp>
+        <p:nvSpPr>
+          <p:cNvPr id="6" name="Espace réservé du numéro de diapositive 5"/>
+          <p:cNvSpPr>
+            <a:spLocks noGrp="1"/>
+          </p:cNvSpPr>
+          <p:nvPr>
+            <p:ph type="sldNum" sz="quarter" idx="12"/>
+          </p:nvPr>
+        </p:nvSpPr>
+        <p:spPr/>
+        <p:txBody>
+          <a:bodyPr/>
+          <a:lstStyle/>
+          <a:p>
+            <a:fld id="{D57F1E4F-1CFF-5643-939E-217C01CDF565}" type="slidenum">
+              <a:rPr lang="en-US" smtClean="0"/>
+              <a:pPr/>
+              <a:t>3</a:t>
+            </a:fld>
+            <a:endParaRPr lang="en-US" dirty="0"/>
           </a:p>
         </p:txBody>
       </p:sp>
@@ -6374,35 +7329,101 @@
           <a:lstStyle/>
           <a:p>
             <a:r>
-              <a:rPr lang="fr-FR" dirty="0" smtClean="0"/>
+              <a:rPr lang="fr-FR" sz="2800" dirty="0" smtClean="0"/>
               <a:t>Utilisation du prince de multithreading </a:t>
             </a:r>
           </a:p>
           <a:p>
             <a:r>
-              <a:rPr lang="fr-FR" dirty="0" smtClean="0"/>
-              <a:t>Langage </a:t>
-            </a:r>
-            <a:r>
-              <a:rPr lang="fr-FR" dirty="0" smtClean="0"/>
-              <a:t>Java</a:t>
-            </a:r>
-          </a:p>
-          <a:p>
-            <a:r>
-              <a:rPr lang="fr-FR" dirty="0" smtClean="0"/>
+              <a:rPr lang="fr-FR" sz="2800" dirty="0" smtClean="0"/>
+              <a:t>Langage Java</a:t>
+            </a:r>
+          </a:p>
+          <a:p>
+            <a:r>
+              <a:rPr lang="fr-FR" sz="2800" dirty="0" smtClean="0"/>
               <a:t>Gestion de 2 projets</a:t>
             </a:r>
+            <a:endParaRPr lang="fr-FR" sz="2800" dirty="0"/>
+          </a:p>
+          <a:p>
+            <a:r>
+              <a:rPr lang="fr-FR" sz="2800" dirty="0"/>
+              <a:t>40 Heures de travail</a:t>
+            </a:r>
+          </a:p>
+          <a:p>
             <a:endParaRPr lang="fr-FR" dirty="0"/>
           </a:p>
-          <a:p>
-            <a:r>
-              <a:rPr lang="fr-FR" dirty="0"/>
-              <a:t>40 Heures de travail</a:t>
-            </a:r>
-          </a:p>
-          <a:p>
-            <a:endParaRPr lang="fr-FR" dirty="0"/>
+        </p:txBody>
+      </p:sp>
+      <p:sp>
+        <p:nvSpPr>
+          <p:cNvPr id="4" name="Espace réservé de la date 3"/>
+          <p:cNvSpPr>
+            <a:spLocks noGrp="1"/>
+          </p:cNvSpPr>
+          <p:nvPr>
+            <p:ph type="dt" sz="half" idx="10"/>
+          </p:nvPr>
+        </p:nvSpPr>
+        <p:spPr/>
+        <p:txBody>
+          <a:bodyPr/>
+          <a:lstStyle/>
+          <a:p>
+            <a:r>
+              <a:rPr lang="fr-FR" smtClean="0"/>
+              <a:t>21/05/15</a:t>
+            </a:r>
+            <a:endParaRPr lang="en-US" dirty="0"/>
+          </a:p>
+        </p:txBody>
+      </p:sp>
+      <p:sp>
+        <p:nvSpPr>
+          <p:cNvPr id="5" name="Espace réservé du pied de page 4"/>
+          <p:cNvSpPr>
+            <a:spLocks noGrp="1"/>
+          </p:cNvSpPr>
+          <p:nvPr>
+            <p:ph type="ftr" sz="quarter" idx="11"/>
+          </p:nvPr>
+        </p:nvSpPr>
+        <p:spPr/>
+        <p:txBody>
+          <a:bodyPr/>
+          <a:lstStyle/>
+          <a:p>
+            <a:r>
+              <a:rPr lang="fr-FR" smtClean="0"/>
+              <a:t>Présentation Multithreading - LE BISSONNAIS POUGET</a:t>
+            </a:r>
+            <a:endParaRPr lang="en-US" dirty="0"/>
+          </a:p>
+        </p:txBody>
+      </p:sp>
+      <p:sp>
+        <p:nvSpPr>
+          <p:cNvPr id="6" name="Espace réservé du numéro de diapositive 5"/>
+          <p:cNvSpPr>
+            <a:spLocks noGrp="1"/>
+          </p:cNvSpPr>
+          <p:nvPr>
+            <p:ph type="sldNum" sz="quarter" idx="12"/>
+          </p:nvPr>
+        </p:nvSpPr>
+        <p:spPr/>
+        <p:txBody>
+          <a:bodyPr/>
+          <a:lstStyle/>
+          <a:p>
+            <a:fld id="{D57F1E4F-1CFF-5643-939E-217C01CDF565}" type="slidenum">
+              <a:rPr lang="en-US" smtClean="0"/>
+              <a:pPr/>
+              <a:t>4</a:t>
+            </a:fld>
+            <a:endParaRPr lang="en-US" dirty="0"/>
           </a:p>
         </p:txBody>
       </p:sp>
@@ -6470,23 +7491,95 @@
         </p:nvSpPr>
         <p:spPr/>
         <p:txBody>
-          <a:bodyPr/>
-          <a:lstStyle/>
-          <a:p>
-            <a:r>
-              <a:rPr lang="fr-FR" dirty="0" smtClean="0"/>
+          <a:bodyPr>
+            <a:normAutofit/>
+          </a:bodyPr>
+          <a:lstStyle/>
+          <a:p>
+            <a:r>
+              <a:rPr lang="fr-FR" sz="2800" dirty="0" smtClean="0"/>
               <a:t>Animation d’une image </a:t>
             </a:r>
           </a:p>
           <a:p>
-            <a:endParaRPr lang="fr-FR" dirty="0"/>
-          </a:p>
-          <a:p>
-            <a:r>
-              <a:rPr lang="fr-FR" dirty="0" smtClean="0"/>
+            <a:endParaRPr lang="fr-FR" sz="2800" dirty="0"/>
+          </a:p>
+          <a:p>
+            <a:r>
+              <a:rPr lang="fr-FR" sz="2800" dirty="0" smtClean="0"/>
               <a:t>Actualisation de température</a:t>
             </a:r>
-            <a:endParaRPr lang="fr-FR" dirty="0"/>
+            <a:endParaRPr lang="fr-FR" sz="2800" dirty="0"/>
+          </a:p>
+        </p:txBody>
+      </p:sp>
+      <p:sp>
+        <p:nvSpPr>
+          <p:cNvPr id="4" name="Espace réservé de la date 3"/>
+          <p:cNvSpPr>
+            <a:spLocks noGrp="1"/>
+          </p:cNvSpPr>
+          <p:nvPr>
+            <p:ph type="dt" sz="half" idx="10"/>
+          </p:nvPr>
+        </p:nvSpPr>
+        <p:spPr/>
+        <p:txBody>
+          <a:bodyPr/>
+          <a:lstStyle/>
+          <a:p>
+            <a:r>
+              <a:rPr lang="fr-FR" smtClean="0"/>
+              <a:t>21/05/15</a:t>
+            </a:r>
+            <a:endParaRPr lang="en-US" dirty="0"/>
+          </a:p>
+        </p:txBody>
+      </p:sp>
+      <p:sp>
+        <p:nvSpPr>
+          <p:cNvPr id="5" name="Espace réservé du pied de page 4"/>
+          <p:cNvSpPr>
+            <a:spLocks noGrp="1"/>
+          </p:cNvSpPr>
+          <p:nvPr>
+            <p:ph type="ftr" sz="quarter" idx="11"/>
+          </p:nvPr>
+        </p:nvSpPr>
+        <p:spPr/>
+        <p:txBody>
+          <a:bodyPr/>
+          <a:lstStyle/>
+          <a:p>
+            <a:r>
+              <a:rPr lang="fr-FR" smtClean="0"/>
+              <a:t>Présentation Multithreading - LE BISSONNAIS POUGET</a:t>
+            </a:r>
+            <a:endParaRPr lang="en-US" dirty="0"/>
+          </a:p>
+        </p:txBody>
+      </p:sp>
+      <p:sp>
+        <p:nvSpPr>
+          <p:cNvPr id="6" name="Espace réservé du numéro de diapositive 5"/>
+          <p:cNvSpPr>
+            <a:spLocks noGrp="1"/>
+          </p:cNvSpPr>
+          <p:nvPr>
+            <p:ph type="sldNum" sz="quarter" idx="12"/>
+          </p:nvPr>
+        </p:nvSpPr>
+        <p:spPr/>
+        <p:txBody>
+          <a:bodyPr/>
+          <a:lstStyle/>
+          <a:p>
+            <a:fld id="{D57F1E4F-1CFF-5643-939E-217C01CDF565}" type="slidenum">
+              <a:rPr lang="en-US" smtClean="0"/>
+              <a:pPr/>
+              <a:t>5</a:t>
+            </a:fld>
+            <a:endParaRPr lang="en-US" dirty="0"/>
           </a:p>
         </p:txBody>
       </p:sp>
@@ -6554,23 +7647,95 @@
         </p:nvSpPr>
         <p:spPr/>
         <p:txBody>
-          <a:bodyPr/>
-          <a:lstStyle/>
-          <a:p>
-            <a:r>
-              <a:rPr lang="fr-FR" dirty="0" smtClean="0"/>
+          <a:bodyPr>
+            <a:normAutofit/>
+          </a:bodyPr>
+          <a:lstStyle/>
+          <a:p>
+            <a:r>
+              <a:rPr lang="fr-FR" sz="2800" dirty="0" smtClean="0"/>
               <a:t>Proposer à l’utilisateur de choisir son image</a:t>
             </a:r>
           </a:p>
           <a:p>
-            <a:endParaRPr lang="fr-FR" dirty="0"/>
-          </a:p>
-          <a:p>
-            <a:r>
-              <a:rPr lang="fr-FR" dirty="0" smtClean="0"/>
+            <a:endParaRPr lang="fr-FR" sz="2800" dirty="0"/>
+          </a:p>
+          <a:p>
+            <a:r>
+              <a:rPr lang="fr-FR" sz="2800" dirty="0" smtClean="0"/>
               <a:t>Consulter un web service pour la météo</a:t>
             </a:r>
-            <a:endParaRPr lang="fr-FR" dirty="0"/>
+            <a:endParaRPr lang="fr-FR" sz="2800" dirty="0"/>
+          </a:p>
+        </p:txBody>
+      </p:sp>
+      <p:sp>
+        <p:nvSpPr>
+          <p:cNvPr id="4" name="Espace réservé de la date 3"/>
+          <p:cNvSpPr>
+            <a:spLocks noGrp="1"/>
+          </p:cNvSpPr>
+          <p:nvPr>
+            <p:ph type="dt" sz="half" idx="10"/>
+          </p:nvPr>
+        </p:nvSpPr>
+        <p:spPr/>
+        <p:txBody>
+          <a:bodyPr/>
+          <a:lstStyle/>
+          <a:p>
+            <a:r>
+              <a:rPr lang="fr-FR" smtClean="0"/>
+              <a:t>21/05/15</a:t>
+            </a:r>
+            <a:endParaRPr lang="en-US" dirty="0"/>
+          </a:p>
+        </p:txBody>
+      </p:sp>
+      <p:sp>
+        <p:nvSpPr>
+          <p:cNvPr id="5" name="Espace réservé du pied de page 4"/>
+          <p:cNvSpPr>
+            <a:spLocks noGrp="1"/>
+          </p:cNvSpPr>
+          <p:nvPr>
+            <p:ph type="ftr" sz="quarter" idx="11"/>
+          </p:nvPr>
+        </p:nvSpPr>
+        <p:spPr/>
+        <p:txBody>
+          <a:bodyPr/>
+          <a:lstStyle/>
+          <a:p>
+            <a:r>
+              <a:rPr lang="fr-FR" smtClean="0"/>
+              <a:t>Présentation Multithreading - LE BISSONNAIS POUGET</a:t>
+            </a:r>
+            <a:endParaRPr lang="en-US" dirty="0"/>
+          </a:p>
+        </p:txBody>
+      </p:sp>
+      <p:sp>
+        <p:nvSpPr>
+          <p:cNvPr id="6" name="Espace réservé du numéro de diapositive 5"/>
+          <p:cNvSpPr>
+            <a:spLocks noGrp="1"/>
+          </p:cNvSpPr>
+          <p:nvPr>
+            <p:ph type="sldNum" sz="quarter" idx="12"/>
+          </p:nvPr>
+        </p:nvSpPr>
+        <p:spPr/>
+        <p:txBody>
+          <a:bodyPr/>
+          <a:lstStyle/>
+          <a:p>
+            <a:fld id="{D57F1E4F-1CFF-5643-939E-217C01CDF565}" type="slidenum">
+              <a:rPr lang="en-US" smtClean="0"/>
+              <a:pPr/>
+              <a:t>6</a:t>
+            </a:fld>
+            <a:endParaRPr lang="en-US" dirty="0"/>
           </a:p>
         </p:txBody>
       </p:sp>
@@ -6929,6 +8094,76 @@
           </a:fontRef>
         </p:style>
       </p:cxnSp>
+      <p:sp>
+        <p:nvSpPr>
+          <p:cNvPr id="8" name="Espace réservé de la date 7"/>
+          <p:cNvSpPr>
+            <a:spLocks noGrp="1"/>
+          </p:cNvSpPr>
+          <p:nvPr>
+            <p:ph type="dt" sz="half" idx="10"/>
+          </p:nvPr>
+        </p:nvSpPr>
+        <p:spPr/>
+        <p:txBody>
+          <a:bodyPr/>
+          <a:lstStyle/>
+          <a:p>
+            <a:r>
+              <a:rPr lang="fr-FR" smtClean="0"/>
+              <a:t>21/05/15</a:t>
+            </a:r>
+            <a:endParaRPr lang="en-US" dirty="0"/>
+          </a:p>
+        </p:txBody>
+      </p:sp>
+      <p:sp>
+        <p:nvSpPr>
+          <p:cNvPr id="10" name="Espace réservé du pied de page 9"/>
+          <p:cNvSpPr>
+            <a:spLocks noGrp="1"/>
+          </p:cNvSpPr>
+          <p:nvPr>
+            <p:ph type="ftr" sz="quarter" idx="11"/>
+          </p:nvPr>
+        </p:nvSpPr>
+        <p:spPr/>
+        <p:txBody>
+          <a:bodyPr/>
+          <a:lstStyle/>
+          <a:p>
+            <a:r>
+              <a:rPr lang="fr-FR" smtClean="0"/>
+              <a:t>Présentation Multithreading - LE BISSONNAIS POUGET</a:t>
+            </a:r>
+            <a:endParaRPr lang="en-US" dirty="0"/>
+          </a:p>
+        </p:txBody>
+      </p:sp>
+      <p:sp>
+        <p:nvSpPr>
+          <p:cNvPr id="13" name="Espace réservé du numéro de diapositive 12"/>
+          <p:cNvSpPr>
+            <a:spLocks noGrp="1"/>
+          </p:cNvSpPr>
+          <p:nvPr>
+            <p:ph type="sldNum" sz="quarter" idx="12"/>
+          </p:nvPr>
+        </p:nvSpPr>
+        <p:spPr/>
+        <p:txBody>
+          <a:bodyPr/>
+          <a:lstStyle/>
+          <a:p>
+            <a:fld id="{D57F1E4F-1CFF-5643-939E-217C01CDF565}" type="slidenum">
+              <a:rPr lang="en-US" smtClean="0"/>
+              <a:pPr/>
+              <a:t>7</a:t>
+            </a:fld>
+            <a:endParaRPr lang="en-US" dirty="0"/>
+          </a:p>
+        </p:txBody>
+      </p:sp>
     </p:spTree>
     <p:extLst>
       <p:ext uri="{BB962C8B-B14F-4D97-AF65-F5344CB8AC3E}">
@@ -7014,6 +8249,76 @@
           </a:prstGeom>
         </p:spPr>
       </p:pic>
+      <p:sp>
+        <p:nvSpPr>
+          <p:cNvPr id="3" name="Espace réservé de la date 2"/>
+          <p:cNvSpPr>
+            <a:spLocks noGrp="1"/>
+          </p:cNvSpPr>
+          <p:nvPr>
+            <p:ph type="dt" sz="half" idx="10"/>
+          </p:nvPr>
+        </p:nvSpPr>
+        <p:spPr/>
+        <p:txBody>
+          <a:bodyPr/>
+          <a:lstStyle/>
+          <a:p>
+            <a:r>
+              <a:rPr lang="fr-FR" smtClean="0"/>
+              <a:t>21/05/15</a:t>
+            </a:r>
+            <a:endParaRPr lang="en-US" dirty="0"/>
+          </a:p>
+        </p:txBody>
+      </p:sp>
+      <p:sp>
+        <p:nvSpPr>
+          <p:cNvPr id="5" name="Espace réservé du pied de page 4"/>
+          <p:cNvSpPr>
+            <a:spLocks noGrp="1"/>
+          </p:cNvSpPr>
+          <p:nvPr>
+            <p:ph type="ftr" sz="quarter" idx="11"/>
+          </p:nvPr>
+        </p:nvSpPr>
+        <p:spPr/>
+        <p:txBody>
+          <a:bodyPr/>
+          <a:lstStyle/>
+          <a:p>
+            <a:r>
+              <a:rPr lang="fr-FR" smtClean="0"/>
+              <a:t>Présentation Multithreading - LE BISSONNAIS POUGET</a:t>
+            </a:r>
+            <a:endParaRPr lang="en-US" dirty="0"/>
+          </a:p>
+        </p:txBody>
+      </p:sp>
+      <p:sp>
+        <p:nvSpPr>
+          <p:cNvPr id="6" name="Espace réservé du numéro de diapositive 5"/>
+          <p:cNvSpPr>
+            <a:spLocks noGrp="1"/>
+          </p:cNvSpPr>
+          <p:nvPr>
+            <p:ph type="sldNum" sz="quarter" idx="12"/>
+          </p:nvPr>
+        </p:nvSpPr>
+        <p:spPr/>
+        <p:txBody>
+          <a:bodyPr/>
+          <a:lstStyle/>
+          <a:p>
+            <a:fld id="{D57F1E4F-1CFF-5643-939E-217C01CDF565}" type="slidenum">
+              <a:rPr lang="en-US" smtClean="0"/>
+              <a:pPr/>
+              <a:t>8</a:t>
+            </a:fld>
+            <a:endParaRPr lang="en-US" dirty="0"/>
+          </a:p>
+        </p:txBody>
+      </p:sp>
     </p:spTree>
     <p:extLst>
       <p:ext uri="{BB962C8B-B14F-4D97-AF65-F5344CB8AC3E}">
@@ -7099,6 +8404,76 @@
           </a:prstGeom>
         </p:spPr>
       </p:pic>
+      <p:sp>
+        <p:nvSpPr>
+          <p:cNvPr id="3" name="Espace réservé de la date 2"/>
+          <p:cNvSpPr>
+            <a:spLocks noGrp="1"/>
+          </p:cNvSpPr>
+          <p:nvPr>
+            <p:ph type="dt" sz="half" idx="10"/>
+          </p:nvPr>
+        </p:nvSpPr>
+        <p:spPr/>
+        <p:txBody>
+          <a:bodyPr/>
+          <a:lstStyle/>
+          <a:p>
+            <a:r>
+              <a:rPr lang="fr-FR" smtClean="0"/>
+              <a:t>21/05/15</a:t>
+            </a:r>
+            <a:endParaRPr lang="en-US" dirty="0"/>
+          </a:p>
+        </p:txBody>
+      </p:sp>
+      <p:sp>
+        <p:nvSpPr>
+          <p:cNvPr id="5" name="Espace réservé du pied de page 4"/>
+          <p:cNvSpPr>
+            <a:spLocks noGrp="1"/>
+          </p:cNvSpPr>
+          <p:nvPr>
+            <p:ph type="ftr" sz="quarter" idx="11"/>
+          </p:nvPr>
+        </p:nvSpPr>
+        <p:spPr/>
+        <p:txBody>
+          <a:bodyPr/>
+          <a:lstStyle/>
+          <a:p>
+            <a:r>
+              <a:rPr lang="fr-FR" smtClean="0"/>
+              <a:t>Présentation Multithreading - LE BISSONNAIS POUGET</a:t>
+            </a:r>
+            <a:endParaRPr lang="en-US" dirty="0"/>
+          </a:p>
+        </p:txBody>
+      </p:sp>
+      <p:sp>
+        <p:nvSpPr>
+          <p:cNvPr id="6" name="Espace réservé du numéro de diapositive 5"/>
+          <p:cNvSpPr>
+            <a:spLocks noGrp="1"/>
+          </p:cNvSpPr>
+          <p:nvPr>
+            <p:ph type="sldNum" sz="quarter" idx="12"/>
+          </p:nvPr>
+        </p:nvSpPr>
+        <p:spPr/>
+        <p:txBody>
+          <a:bodyPr/>
+          <a:lstStyle/>
+          <a:p>
+            <a:fld id="{D57F1E4F-1CFF-5643-939E-217C01CDF565}" type="slidenum">
+              <a:rPr lang="en-US" smtClean="0"/>
+              <a:pPr/>
+              <a:t>9</a:t>
+            </a:fld>
+            <a:endParaRPr lang="en-US" dirty="0"/>
+          </a:p>
+        </p:txBody>
+      </p:sp>
     </p:spTree>
     <p:extLst>
       <p:ext uri="{BB962C8B-B14F-4D97-AF65-F5344CB8AC3E}">
@@ -7367,4 +8742,265 @@
     </a:ext>
   </a:extLst>
 </a:theme>
+</file>
+
+<file path=ppt/theme/theme2.xml><?xml version="1.0" encoding="utf-8"?>
+<a:theme xmlns:a="http://schemas.openxmlformats.org/drawingml/2006/main" name="Thème Office">
+  <a:themeElements>
+    <a:clrScheme name="Office">
+      <a:dk1>
+        <a:sysClr val="windowText" lastClr="000000"/>
+      </a:dk1>
+      <a:lt1>
+        <a:sysClr val="window" lastClr="FFFFFF"/>
+      </a:lt1>
+      <a:dk2>
+        <a:srgbClr val="44546A"/>
+      </a:dk2>
+      <a:lt2>
+        <a:srgbClr val="E7E6E6"/>
+      </a:lt2>
+      <a:accent1>
+        <a:srgbClr val="5B9BD5"/>
+      </a:accent1>
+      <a:accent2>
+        <a:srgbClr val="ED7D31"/>
+      </a:accent2>
+      <a:accent3>
+        <a:srgbClr val="A5A5A5"/>
+      </a:accent3>
+      <a:accent4>
+        <a:srgbClr val="FFC000"/>
+      </a:accent4>
+      <a:accent5>
+        <a:srgbClr val="4472C4"/>
+      </a:accent5>
+      <a:accent6>
+        <a:srgbClr val="70AD47"/>
+      </a:accent6>
+      <a:hlink>
+        <a:srgbClr val="0563C1"/>
+      </a:hlink>
+      <a:folHlink>
+        <a:srgbClr val="954F72"/>
+      </a:folHlink>
+    </a:clrScheme>
+    <a:fontScheme name="Office">
+      <a:majorFont>
+        <a:latin typeface="Calibri Light" panose="020F0302020204030204"/>
+        <a:ea typeface=""/>
+        <a:cs typeface=""/>
+        <a:font script="Jpan" typeface="ＭＳ Ｐゴシック"/>
+        <a:font script="Hang" typeface="맑은 고딕"/>
+        <a:font script="Hans" typeface="宋体"/>
+        <a:font script="Hant" typeface="新細明體"/>
+        <a:font script="Arab" typeface="Times New Roman"/>
+        <a:font script="Hebr" typeface="Times New Roman"/>
+        <a:font script="Thai" typeface="Angsana New"/>
+        <a:font script="Ethi" typeface="Nyala"/>
+        <a:font script="Beng" typeface="Vrinda"/>
+        <a:font script="Gujr" typeface="Shruti"/>
+        <a:font script="Khmr" typeface="MoolBoran"/>
+        <a:font script="Knda" typeface="Tunga"/>
+        <a:font script="Guru" typeface="Raavi"/>
+        <a:font script="Cans" typeface="Euphemia"/>
+        <a:font script="Cher" typeface="Plantagenet Cherokee"/>
+        <a:font script="Yiii" typeface="Microsoft Yi Baiti"/>
+        <a:font script="Tibt" typeface="Microsoft Himalaya"/>
+        <a:font script="Thaa" typeface="MV Boli"/>
+        <a:font script="Deva" typeface="Mangal"/>
+        <a:font script="Telu" typeface="Gautami"/>
+        <a:font script="Taml" typeface="Latha"/>
+        <a:font script="Syrc" typeface="Estrangelo Edessa"/>
+        <a:font script="Orya" typeface="Kalinga"/>
+        <a:font script="Mlym" typeface="Kartika"/>
+        <a:font script="Laoo" typeface="DokChampa"/>
+        <a:font script="Sinh" typeface="Iskoola Pota"/>
+        <a:font script="Mong" typeface="Mongolian Baiti"/>
+        <a:font script="Viet" typeface="Times New Roman"/>
+        <a:font script="Uigh" typeface="Microsoft Uighur"/>
+        <a:font script="Geor" typeface="Sylfaen"/>
+      </a:majorFont>
+      <a:minorFont>
+        <a:latin typeface="Calibri" panose="020F0502020204030204"/>
+        <a:ea typeface=""/>
+        <a:cs typeface=""/>
+        <a:font script="Jpan" typeface="ＭＳ Ｐゴシック"/>
+        <a:font script="Hang" typeface="맑은 고딕"/>
+        <a:font script="Hans" typeface="宋体"/>
+        <a:font script="Hant" typeface="新細明體"/>
+        <a:font script="Arab" typeface="Arial"/>
+        <a:font script="Hebr" typeface="Arial"/>
+        <a:font script="Thai" typeface="Cordia New"/>
+        <a:font script="Ethi" typeface="Nyala"/>
+        <a:font script="Beng" typeface="Vrinda"/>
+        <a:font script="Gujr" typeface="Shruti"/>
+        <a:font script="Khmr" typeface="DaunPenh"/>
+        <a:font script="Knda" typeface="Tunga"/>
+        <a:font script="Guru" typeface="Raavi"/>
+        <a:font script="Cans" typeface="Euphemia"/>
+        <a:font script="Cher" typeface="Plantagenet Cherokee"/>
+        <a:font script="Yiii" typeface="Microsoft Yi Baiti"/>
+        <a:font script="Tibt" typeface="Microsoft Himalaya"/>
+        <a:font script="Thaa" typeface="MV Boli"/>
+        <a:font script="Deva" typeface="Mangal"/>
+        <a:font script="Telu" typeface="Gautami"/>
+        <a:font script="Taml" typeface="Latha"/>
+        <a:font script="Syrc" typeface="Estrangelo Edessa"/>
+        <a:font script="Orya" typeface="Kalinga"/>
+        <a:font script="Mlym" typeface="Kartika"/>
+        <a:font script="Laoo" typeface="DokChampa"/>
+        <a:font script="Sinh" typeface="Iskoola Pota"/>
+        <a:font script="Mong" typeface="Mongolian Baiti"/>
+        <a:font script="Viet" typeface="Arial"/>
+        <a:font script="Uigh" typeface="Microsoft Uighur"/>
+        <a:font script="Geor" typeface="Sylfaen"/>
+      </a:minorFont>
+    </a:fontScheme>
+    <a:fmtScheme name="Office">
+      <a:fillStyleLst>
+        <a:solidFill>
+          <a:schemeClr val="phClr"/>
+        </a:solidFill>
+        <a:gradFill rotWithShape="1">
+          <a:gsLst>
+            <a:gs pos="0">
+              <a:schemeClr val="phClr">
+                <a:lumMod val="110000"/>
+                <a:satMod val="105000"/>
+                <a:tint val="67000"/>
+              </a:schemeClr>
+            </a:gs>
+            <a:gs pos="50000">
+              <a:schemeClr val="phClr">
+                <a:lumMod val="105000"/>
+                <a:satMod val="103000"/>
+                <a:tint val="73000"/>
+              </a:schemeClr>
+            </a:gs>
+            <a:gs pos="100000">
+              <a:schemeClr val="phClr">
+                <a:lumMod val="105000"/>
+                <a:satMod val="109000"/>
+                <a:tint val="81000"/>
+              </a:schemeClr>
+            </a:gs>
+          </a:gsLst>
+          <a:lin ang="5400000" scaled="0"/>
+        </a:gradFill>
+        <a:gradFill rotWithShape="1">
+          <a:gsLst>
+            <a:gs pos="0">
+              <a:schemeClr val="phClr">
+                <a:satMod val="103000"/>
+                <a:lumMod val="102000"/>
+                <a:tint val="94000"/>
+              </a:schemeClr>
+            </a:gs>
+            <a:gs pos="50000">
+              <a:schemeClr val="phClr">
+                <a:satMod val="110000"/>
+                <a:lumMod val="100000"/>
+                <a:shade val="100000"/>
+              </a:schemeClr>
+            </a:gs>
+            <a:gs pos="100000">
+              <a:schemeClr val="phClr">
+                <a:lumMod val="99000"/>
+                <a:satMod val="120000"/>
+                <a:shade val="78000"/>
+              </a:schemeClr>
+            </a:gs>
+          </a:gsLst>
+          <a:lin ang="5400000" scaled="0"/>
+        </a:gradFill>
+      </a:fillStyleLst>
+      <a:lnStyleLst>
+        <a:ln w="6350" cap="flat" cmpd="sng" algn="ctr">
+          <a:solidFill>
+            <a:schemeClr val="phClr"/>
+          </a:solidFill>
+          <a:prstDash val="solid"/>
+          <a:miter lim="800000"/>
+        </a:ln>
+        <a:ln w="12700" cap="flat" cmpd="sng" algn="ctr">
+          <a:solidFill>
+            <a:schemeClr val="phClr"/>
+          </a:solidFill>
+          <a:prstDash val="solid"/>
+          <a:miter lim="800000"/>
+        </a:ln>
+        <a:ln w="19050" cap="flat" cmpd="sng" algn="ctr">
+          <a:solidFill>
+            <a:schemeClr val="phClr"/>
+          </a:solidFill>
+          <a:prstDash val="solid"/>
+          <a:miter lim="800000"/>
+        </a:ln>
+      </a:lnStyleLst>
+      <a:effectStyleLst>
+        <a:effectStyle>
+          <a:effectLst/>
+        </a:effectStyle>
+        <a:effectStyle>
+          <a:effectLst/>
+        </a:effectStyle>
+        <a:effectStyle>
+          <a:effectLst>
+            <a:outerShdw blurRad="57150" dist="19050" dir="5400000" algn="ctr" rotWithShape="0">
+              <a:srgbClr val="000000">
+                <a:alpha val="63000"/>
+              </a:srgbClr>
+            </a:outerShdw>
+          </a:effectLst>
+        </a:effectStyle>
+      </a:effectStyleLst>
+      <a:bgFillStyleLst>
+        <a:solidFill>
+          <a:schemeClr val="phClr"/>
+        </a:solidFill>
+        <a:solidFill>
+          <a:schemeClr val="phClr">
+            <a:tint val="95000"/>
+            <a:satMod val="170000"/>
+          </a:schemeClr>
+        </a:solidFill>
+        <a:gradFill rotWithShape="1">
+          <a:gsLst>
+            <a:gs pos="0">
+              <a:schemeClr val="phClr">
+                <a:tint val="93000"/>
+                <a:satMod val="150000"/>
+                <a:shade val="98000"/>
+                <a:lumMod val="102000"/>
+              </a:schemeClr>
+            </a:gs>
+            <a:gs pos="50000">
+              <a:schemeClr val="phClr">
+                <a:tint val="98000"/>
+                <a:satMod val="130000"/>
+                <a:shade val="90000"/>
+                <a:lumMod val="103000"/>
+              </a:schemeClr>
+            </a:gs>
+            <a:gs pos="100000">
+              <a:schemeClr val="phClr">
+                <a:shade val="63000"/>
+                <a:satMod val="120000"/>
+              </a:schemeClr>
+            </a:gs>
+          </a:gsLst>
+          <a:lin ang="5400000" scaled="0"/>
+        </a:gradFill>
+      </a:bgFillStyleLst>
+    </a:fmtScheme>
+  </a:themeElements>
+  <a:objectDefaults/>
+  <a:extraClrSchemeLst/>
+  <a:extLst>
+    <a:ext uri="{05A4C25C-085E-4340-85A3-A5531E510DB2}">
+      <thm15:themeFamily xmlns:thm15="http://schemas.microsoft.com/office/thememl/2012/main" name="Office Theme" id="{62F939B6-93AF-4DB8-9C6B-D6C7DFDC589F}" vid="{4A3C46E8-61CC-4603-A589-7422A47A8E4A}"/>
+    </a:ext>
+  </a:extLst>
+</a:theme>
 </file>
--- a/Présentation Java multithread.pptx
+++ b/Présentation Java multithread.pptx
@@ -6490,6 +6490,27 @@
           <a:lstStyle/>
           <a:p>
             <a:r>
+              <a:rPr lang="fr-FR" sz="2800" dirty="0" smtClean="0"/>
+              <a:t>Animation </a:t>
+            </a:r>
+            <a:r>
+              <a:rPr lang="fr-FR" sz="2800" dirty="0" smtClean="0"/>
+              <a:t>d’image</a:t>
+            </a:r>
+            <a:endParaRPr lang="fr-FR" sz="2800" dirty="0"/>
+          </a:p>
+          <a:p>
+            <a:r>
+              <a:rPr lang="fr-FR" sz="2800" dirty="0" smtClean="0"/>
+              <a:t>Utilisation de </a:t>
+            </a:r>
+            <a:r>
+              <a:rPr lang="fr-FR" sz="2800" dirty="0" smtClean="0"/>
+              <a:t>Thread</a:t>
+            </a:r>
+          </a:p>
+          <a:p>
+            <a:r>
               <a:rPr lang="fr-FR" sz="2800" dirty="0"/>
               <a:t>Invocation du web service</a:t>
             </a:r>
@@ -6497,15 +6518,23 @@
           <a:p>
             <a:r>
               <a:rPr lang="fr-FR" sz="2800" dirty="0" smtClean="0"/>
-              <a:t>Animation d’image</a:t>
-            </a:r>
-            <a:endParaRPr lang="fr-FR" sz="2800" dirty="0"/>
-          </a:p>
-          <a:p>
+              <a:t>Temps </a:t>
+            </a:r>
+            <a:r>
+              <a:rPr lang="fr-FR" sz="2800" smtClean="0"/>
+              <a:t>de rafraichissement</a:t>
+            </a:r>
+            <a:r>
+              <a:rPr lang="fr-FR" sz="2800" smtClean="0"/>
+              <a:t> </a:t>
+            </a:r>
             <a:r>
               <a:rPr lang="fr-FR" sz="2800" dirty="0" smtClean="0"/>
-              <a:t>Utilisation de Thread</a:t>
-            </a:r>
+              <a:t>de l’application</a:t>
+            </a:r>
+            <a:endParaRPr lang="fr-FR" sz="2800" dirty="0" smtClean="0"/>
+          </a:p>
+          <a:p>
             <a:endParaRPr lang="fr-FR" sz="2800" dirty="0"/>
           </a:p>
           <a:p>
@@ -6593,6 +6622,13 @@
   <p:clrMapOvr>
     <a:masterClrMapping/>
   </p:clrMapOvr>
+  <p:timing>
+    <p:tnLst>
+      <p:par>
+        <p:cTn id="1" dur="indefinite" restart="never" nodeType="tmRoot"/>
+      </p:par>
+    </p:tnLst>
+  </p:timing>
 </p:sld>
 </file>
 
@@ -6764,6 +6800,13 @@
   <p:clrMapOvr>
     <a:masterClrMapping/>
   </p:clrMapOvr>
+  <p:timing>
+    <p:tnLst>
+      <p:par>
+        <p:cTn id="1" dur="indefinite" restart="never" nodeType="tmRoot"/>
+      </p:par>
+    </p:tnLst>
+  </p:timing>
 </p:sld>
 </file>
 
@@ -6916,6 +6959,13 @@
   <p:clrMapOvr>
     <a:masterClrMapping/>
   </p:clrMapOvr>
+  <p:timing>
+    <p:tnLst>
+      <p:par>
+        <p:cTn id="1" dur="indefinite" restart="never" nodeType="tmRoot"/>
+      </p:par>
+    </p:tnLst>
+  </p:timing>
 </p:sld>
 </file>
 
@@ -7271,6 +7321,13 @@
   <p:clrMapOvr>
     <a:masterClrMapping/>
   </p:clrMapOvr>
+  <p:timing>
+    <p:tnLst>
+      <p:par>
+        <p:cTn id="1" dur="indefinite" restart="never" nodeType="tmRoot"/>
+      </p:par>
+    </p:tnLst>
+  </p:timing>
 </p:sld>
 </file>
 
@@ -7437,6 +7494,13 @@
   <p:clrMapOvr>
     <a:masterClrMapping/>
   </p:clrMapOvr>
+  <p:timing>
+    <p:tnLst>
+      <p:par>
+        <p:cTn id="1" dur="indefinite" restart="never" nodeType="tmRoot"/>
+      </p:par>
+    </p:tnLst>
+  </p:timing>
 </p:sld>
 </file>
 
@@ -7593,6 +7657,13 @@
   <p:clrMapOvr>
     <a:masterClrMapping/>
   </p:clrMapOvr>
+  <p:timing>
+    <p:tnLst>
+      <p:par>
+        <p:cTn id="1" dur="indefinite" restart="never" nodeType="tmRoot"/>
+      </p:par>
+    </p:tnLst>
+  </p:timing>
 </p:sld>
 </file>
 
@@ -7749,6 +7820,13 @@
   <p:clrMapOvr>
     <a:masterClrMapping/>
   </p:clrMapOvr>
+  <p:timing>
+    <p:tnLst>
+      <p:par>
+        <p:cTn id="1" dur="indefinite" restart="never" nodeType="tmRoot"/>
+      </p:par>
+    </p:tnLst>
+  </p:timing>
 </p:sld>
 </file>
 
@@ -8174,6 +8252,13 @@
   <p:clrMapOvr>
     <a:masterClrMapping/>
   </p:clrMapOvr>
+  <p:timing>
+    <p:tnLst>
+      <p:par>
+        <p:cTn id="1" dur="indefinite" restart="never" nodeType="tmRoot"/>
+      </p:par>
+    </p:tnLst>
+  </p:timing>
 </p:sld>
 </file>
 
@@ -8329,6 +8414,13 @@
   <p:clrMapOvr>
     <a:masterClrMapping/>
   </p:clrMapOvr>
+  <p:timing>
+    <p:tnLst>
+      <p:par>
+        <p:cTn id="1" dur="indefinite" restart="never" nodeType="tmRoot"/>
+      </p:par>
+    </p:tnLst>
+  </p:timing>
 </p:sld>
 </file>
 
@@ -8484,6 +8576,13 @@
   <p:clrMapOvr>
     <a:masterClrMapping/>
   </p:clrMapOvr>
+  <p:timing>
+    <p:tnLst>
+      <p:par>
+        <p:cTn id="1" dur="indefinite" restart="never" nodeType="tmRoot"/>
+      </p:par>
+    </p:tnLst>
+  </p:timing>
 </p:sld>
 </file>
 
